--- a/docs/SAPUI5_V2.pptx
+++ b/docs/SAPUI5_V2.pptx
@@ -32,7 +32,7 @@
     <p:sldId id="273" r:id="rId23"/>
   </p:sldIdLst>
   <p:sldSz cx="12192000" cy="6858000"/>
-  <p:notesSz cx="6858000" cy="9144000"/>
+  <p:notesSz cx="6797675" cy="9928225"/>
   <p:defaultTextStyle>
     <a:defPPr>
       <a:defRPr lang="zh-CN"/>
@@ -171,7 +171,7 @@
         <p:spPr>
           <a:xfrm>
             <a:off x="0" y="0"/>
-            <a:ext cx="2971800" cy="458788"/>
+            <a:ext cx="2945659" cy="498135"/>
           </a:xfrm>
           <a:prstGeom prst="rect">
             <a:avLst/>
@@ -201,8 +201,8 @@
         </p:nvSpPr>
         <p:spPr>
           <a:xfrm>
-            <a:off x="3884613" y="0"/>
-            <a:ext cx="2971800" cy="458788"/>
+            <a:off x="3850443" y="0"/>
+            <a:ext cx="2945659" cy="498135"/>
           </a:xfrm>
           <a:prstGeom prst="rect">
             <a:avLst/>
@@ -218,7 +218,7 @@
           <a:p>
             <a:fld id="{4E111746-2E36-4ABC-AA1A-28C045280933}" type="datetimeFigureOut">
               <a:rPr lang="zh-CN" altLang="en-US" smtClean="0"/>
-              <a:t>2018-01-02</a:t>
+              <a:t>2018/1/3</a:t>
             </a:fld>
             <a:endParaRPr lang="zh-CN" altLang="en-US"/>
           </a:p>
@@ -236,8 +236,8 @@
         </p:nvSpPr>
         <p:spPr>
           <a:xfrm>
-            <a:off x="685800" y="1143000"/>
-            <a:ext cx="5486400" cy="3086100"/>
+            <a:off x="422275" y="1241425"/>
+            <a:ext cx="5953125" cy="3349625"/>
           </a:xfrm>
           <a:prstGeom prst="rect">
             <a:avLst/>
@@ -269,8 +269,8 @@
         </p:nvSpPr>
         <p:spPr>
           <a:xfrm>
-            <a:off x="685800" y="4400550"/>
-            <a:ext cx="5486400" cy="3600450"/>
+            <a:off x="679768" y="4777958"/>
+            <a:ext cx="5438140" cy="3909239"/>
           </a:xfrm>
           <a:prstGeom prst="rect">
             <a:avLst/>
@@ -328,8 +328,8 @@
         </p:nvSpPr>
         <p:spPr>
           <a:xfrm>
-            <a:off x="0" y="8685213"/>
-            <a:ext cx="2971800" cy="458787"/>
+            <a:off x="0" y="9430091"/>
+            <a:ext cx="2945659" cy="498134"/>
           </a:xfrm>
           <a:prstGeom prst="rect">
             <a:avLst/>
@@ -359,8 +359,8 @@
         </p:nvSpPr>
         <p:spPr>
           <a:xfrm>
-            <a:off x="3884613" y="8685213"/>
-            <a:ext cx="2971800" cy="458787"/>
+            <a:off x="3850443" y="9430091"/>
+            <a:ext cx="2945659" cy="498134"/>
           </a:xfrm>
           <a:prstGeom prst="rect">
             <a:avLst/>
@@ -597,10 +597,6 @@
               </a:rPr>
               <a:t> is Open Source, free to use, released under the Apache 2.0 license. Since we also use many Open Source libraries, </a:t>
             </a:r>
-            <a:r>
-              <a:rPr lang="en-US" altLang="zh-CN" dirty="0"/>
-              <a:t/>
-            </a:r>
             <a:br>
               <a:rPr lang="en-US" altLang="zh-CN" dirty="0"/>
             </a:br>
@@ -799,10 +795,6 @@
             </a:r>
           </a:p>
           <a:p>
-            <a:r>
-              <a:rPr lang="en-US" altLang="zh-CN" dirty="0"/>
-              <a:t/>
-            </a:r>
             <a:br>
               <a:rPr lang="en-US" altLang="zh-CN" dirty="0"/>
             </a:br>
@@ -817,10 +809,6 @@
             </a:endParaRPr>
           </a:p>
           <a:p>
-            <a:r>
-              <a:rPr lang="en-US" altLang="zh-CN" dirty="0"/>
-              <a:t/>
-            </a:r>
             <a:br>
               <a:rPr lang="en-US" altLang="zh-CN" dirty="0"/>
             </a:br>
@@ -855,6 +843,90 @@
     <p:extLst>
       <p:ext uri="{BB962C8B-B14F-4D97-AF65-F5344CB8AC3E}">
         <p14:creationId xmlns:p14="http://schemas.microsoft.com/office/powerpoint/2010/main" val="3077489427"/>
+      </p:ext>
+    </p:extLst>
+  </p:cSld>
+  <p:clrMapOvr>
+    <a:masterClrMapping/>
+  </p:clrMapOvr>
+</p:notes>
+</file>
+
+<file path=ppt/notesSlides/notesSlide10.xml><?xml version="1.0" encoding="utf-8"?>
+<p:notes xmlns:a="http://schemas.openxmlformats.org/drawingml/2006/main" xmlns:r="http://schemas.openxmlformats.org/officeDocument/2006/relationships" xmlns:p="http://schemas.openxmlformats.org/presentationml/2006/main">
+  <p:cSld>
+    <p:spTree>
+      <p:nvGrpSpPr>
+        <p:cNvPr id="1" name=""/>
+        <p:cNvGrpSpPr/>
+        <p:nvPr/>
+      </p:nvGrpSpPr>
+      <p:grpSpPr>
+        <a:xfrm>
+          <a:off x="0" y="0"/>
+          <a:ext cx="0" cy="0"/>
+          <a:chOff x="0" y="0"/>
+          <a:chExt cx="0" cy="0"/>
+        </a:xfrm>
+      </p:grpSpPr>
+      <p:sp>
+        <p:nvSpPr>
+          <p:cNvPr id="2" name="Slide Image Placeholder 1"/>
+          <p:cNvSpPr>
+            <a:spLocks noGrp="1" noRot="1" noChangeAspect="1"/>
+          </p:cNvSpPr>
+          <p:nvPr>
+            <p:ph type="sldImg"/>
+          </p:nvPr>
+        </p:nvSpPr>
+        <p:spPr/>
+      </p:sp>
+      <p:sp>
+        <p:nvSpPr>
+          <p:cNvPr id="3" name="Notes Placeholder 2"/>
+          <p:cNvSpPr>
+            <a:spLocks noGrp="1"/>
+          </p:cNvSpPr>
+          <p:nvPr>
+            <p:ph type="body" idx="1"/>
+          </p:nvPr>
+        </p:nvSpPr>
+        <p:spPr/>
+        <p:txBody>
+          <a:bodyPr/>
+          <a:lstStyle/>
+          <a:p>
+            <a:endParaRPr lang="en-US" dirty="0"/>
+          </a:p>
+        </p:txBody>
+      </p:sp>
+      <p:sp>
+        <p:nvSpPr>
+          <p:cNvPr id="4" name="Slide Number Placeholder 3"/>
+          <p:cNvSpPr>
+            <a:spLocks noGrp="1"/>
+          </p:cNvSpPr>
+          <p:nvPr>
+            <p:ph type="sldNum" sz="quarter" idx="10"/>
+          </p:nvPr>
+        </p:nvSpPr>
+        <p:spPr/>
+        <p:txBody>
+          <a:bodyPr/>
+          <a:lstStyle/>
+          <a:p>
+            <a:fld id="{1F575FEC-13E3-4E39-AC65-C5FC3D44AF1F}" type="slidenum">
+              <a:rPr lang="zh-CN" altLang="en-US" smtClean="0"/>
+              <a:t>20</a:t>
+            </a:fld>
+            <a:endParaRPr lang="zh-CN" altLang="en-US"/>
+          </a:p>
+        </p:txBody>
+      </p:sp>
+    </p:spTree>
+    <p:extLst>
+      <p:ext uri="{BB962C8B-B14F-4D97-AF65-F5344CB8AC3E}">
+        <p14:creationId xmlns:p14="http://schemas.microsoft.com/office/powerpoint/2010/main" val="389667234"/>
       </p:ext>
     </p:extLst>
   </p:cSld>
@@ -1150,18 +1222,6 @@
             </a:endParaRPr>
           </a:p>
           <a:p>
-            <a:r>
-              <a:rPr lang="en-US" sz="1200" b="0" i="0" kern="1200" dirty="0">
-                <a:solidFill>
-                  <a:schemeClr val="tx1"/>
-                </a:solidFill>
-                <a:effectLst/>
-                <a:latin typeface="+mn-lt"/>
-                <a:ea typeface="+mn-ea"/>
-                <a:cs typeface="+mn-cs"/>
-              </a:rPr>
-              <a:t/>
-            </a:r>
             <a:br>
               <a:rPr lang="en-US" sz="1200" b="0" i="0" kern="1200" dirty="0">
                 <a:solidFill>
@@ -1790,7 +1850,7 @@
           <a:lstStyle/>
           <a:p>
             <a:r>
-              <a:rPr lang="en-US" altLang="zh-CN" sz="1200" b="0" i="0" kern="1200" dirty="0" smtClean="0">
+              <a:rPr lang="en-US" altLang="zh-CN" sz="1200" b="0" i="0" kern="1200" dirty="0">
                 <a:solidFill>
                   <a:schemeClr val="tx1"/>
                 </a:solidFill>
@@ -1802,7 +1862,7 @@
               <a:t>The </a:t>
             </a:r>
             <a:r>
-              <a:rPr lang="en-US" altLang="zh-CN" sz="1200" b="1" i="0" kern="1200" dirty="0" smtClean="0">
+              <a:rPr lang="en-US" altLang="zh-CN" sz="1200" b="1" i="0" kern="1200" dirty="0">
                 <a:solidFill>
                   <a:schemeClr val="tx1"/>
                 </a:solidFill>
@@ -1814,7 +1874,7 @@
               <a:t>view</a:t>
             </a:r>
             <a:r>
-              <a:rPr lang="en-US" altLang="zh-CN" sz="1200" b="0" i="0" kern="1200" dirty="0" smtClean="0">
+              <a:rPr lang="en-US" altLang="zh-CN" sz="1200" b="0" i="0" kern="1200" dirty="0">
                 <a:solidFill>
                   <a:schemeClr val="tx1"/>
                 </a:solidFill>
@@ -1828,7 +1888,7 @@
           </a:p>
           <a:p>
             <a:r>
-              <a:rPr lang="en-US" altLang="zh-CN" sz="1200" b="0" i="0" kern="1200" dirty="0" smtClean="0">
+              <a:rPr lang="en-US" altLang="zh-CN" sz="1200" b="0" i="0" kern="1200" dirty="0">
                 <a:solidFill>
                   <a:schemeClr val="tx1"/>
                 </a:solidFill>
@@ -1840,7 +1900,7 @@
               <a:t>The </a:t>
             </a:r>
             <a:r>
-              <a:rPr lang="en-US" altLang="zh-CN" sz="1200" b="1" i="0" kern="1200" dirty="0" smtClean="0">
+              <a:rPr lang="en-US" altLang="zh-CN" sz="1200" b="1" i="0" kern="1200" dirty="0">
                 <a:solidFill>
                   <a:schemeClr val="tx1"/>
                 </a:solidFill>
@@ -1852,7 +1912,7 @@
               <a:t>model</a:t>
             </a:r>
             <a:r>
-              <a:rPr lang="en-US" altLang="zh-CN" sz="1200" b="0" i="0" kern="1200" dirty="0" smtClean="0">
+              <a:rPr lang="en-US" altLang="zh-CN" sz="1200" b="0" i="0" kern="1200" dirty="0">
                 <a:solidFill>
                   <a:schemeClr val="tx1"/>
                 </a:solidFill>
@@ -1866,7 +1926,7 @@
           </a:p>
           <a:p>
             <a:r>
-              <a:rPr lang="en-US" altLang="zh-CN" sz="1200" b="0" i="0" kern="1200" dirty="0" smtClean="0">
+              <a:rPr lang="en-US" altLang="zh-CN" sz="1200" b="0" i="0" kern="1200" dirty="0">
                 <a:solidFill>
                   <a:schemeClr val="tx1"/>
                 </a:solidFill>
@@ -1878,7 +1938,7 @@
               <a:t>The </a:t>
             </a:r>
             <a:r>
-              <a:rPr lang="en-US" altLang="zh-CN" sz="1200" b="1" i="0" kern="1200" dirty="0" smtClean="0">
+              <a:rPr lang="en-US" altLang="zh-CN" sz="1200" b="1" i="0" kern="1200" dirty="0">
                 <a:solidFill>
                   <a:schemeClr val="tx1"/>
                 </a:solidFill>
@@ -1890,7 +1950,7 @@
               <a:t>controller</a:t>
             </a:r>
             <a:r>
-              <a:rPr lang="en-US" altLang="zh-CN" sz="1200" b="0" i="0" kern="1200" dirty="0" smtClean="0">
+              <a:rPr lang="en-US" altLang="zh-CN" sz="1200" b="0" i="0" kern="1200" dirty="0">
                 <a:solidFill>
                   <a:schemeClr val="tx1"/>
                 </a:solidFill>
@@ -1904,7 +1964,7 @@
           </a:p>
           <a:p>
             <a:r>
-              <a:rPr lang="en-US" altLang="zh-CN" sz="1200" b="0" i="0" kern="1200" dirty="0" smtClean="0">
+              <a:rPr lang="en-US" altLang="zh-CN" sz="1200" b="0" i="0" kern="1200" dirty="0">
                 <a:solidFill>
                   <a:schemeClr val="tx1"/>
                 </a:solidFill>
@@ -1918,7 +1978,7 @@
           </a:p>
           <a:p>
             <a:r>
-              <a:rPr lang="en-US" altLang="zh-CN" sz="1200" b="0" i="0" kern="1200" dirty="0" smtClean="0">
+              <a:rPr lang="en-US" altLang="zh-CN" sz="1200" b="0" i="0" kern="1200" dirty="0">
                 <a:solidFill>
                   <a:schemeClr val="tx1"/>
                 </a:solidFill>
@@ -1929,6 +1989,194 @@
               </a:rPr>
               <a:t> It allows you to change the view without touching the underlying business logic and to define several views of the same data.</a:t>
             </a:r>
+          </a:p>
+          <a:p>
+            <a:pPr latinLnBrk="0"/>
+            <a:r>
+              <a:rPr lang="en-US" altLang="zh-CN" sz="1200" b="0" kern="1200" dirty="0">
+                <a:solidFill>
+                  <a:schemeClr val="tx1"/>
+                </a:solidFill>
+                <a:effectLst/>
+                <a:latin typeface="+mn-lt"/>
+                <a:ea typeface="+mn-ea"/>
+                <a:cs typeface="+mn-cs"/>
+              </a:rPr>
+              <a:t>MVC</a:t>
+            </a:r>
+            <a:r>
+              <a:rPr lang="zh-CN" altLang="en-US" sz="1200" b="0" kern="1200" dirty="0">
+                <a:solidFill>
+                  <a:schemeClr val="tx1"/>
+                </a:solidFill>
+                <a:effectLst/>
+                <a:latin typeface="+mn-lt"/>
+                <a:ea typeface="+mn-ea"/>
+                <a:cs typeface="+mn-cs"/>
+              </a:rPr>
+              <a:t>的一般流程是这样的：</a:t>
+            </a:r>
+            <a:r>
+              <a:rPr lang="en-US" altLang="zh-CN" sz="1200" b="0" kern="1200" dirty="0">
+                <a:solidFill>
+                  <a:schemeClr val="tx1"/>
+                </a:solidFill>
+                <a:effectLst/>
+                <a:latin typeface="+mn-lt"/>
+                <a:ea typeface="+mn-ea"/>
+                <a:cs typeface="+mn-cs"/>
+              </a:rPr>
+              <a:t>View</a:t>
+            </a:r>
+            <a:r>
+              <a:rPr lang="zh-CN" altLang="en-US" sz="1200" b="0" kern="1200" dirty="0">
+                <a:solidFill>
+                  <a:schemeClr val="tx1"/>
+                </a:solidFill>
+                <a:effectLst/>
+                <a:latin typeface="+mn-lt"/>
+                <a:ea typeface="+mn-ea"/>
+                <a:cs typeface="+mn-cs"/>
+              </a:rPr>
+              <a:t>（界面）触发事件</a:t>
+            </a:r>
+            <a:r>
+              <a:rPr lang="en-US" altLang="zh-CN" sz="1200" b="0" kern="1200" dirty="0">
+                <a:solidFill>
+                  <a:schemeClr val="tx1"/>
+                </a:solidFill>
+                <a:effectLst/>
+                <a:latin typeface="+mn-lt"/>
+                <a:ea typeface="+mn-ea"/>
+                <a:cs typeface="+mn-cs"/>
+              </a:rPr>
+              <a:t>–》Controller</a:t>
+            </a:r>
+            <a:r>
+              <a:rPr lang="zh-CN" altLang="en-US" sz="1200" b="0" kern="1200" dirty="0">
+                <a:solidFill>
+                  <a:schemeClr val="tx1"/>
+                </a:solidFill>
+                <a:effectLst/>
+                <a:latin typeface="+mn-lt"/>
+                <a:ea typeface="+mn-ea"/>
+                <a:cs typeface="+mn-cs"/>
+              </a:rPr>
+              <a:t>（业务）处理了业务，然后触发了数据更新</a:t>
+            </a:r>
+            <a:r>
+              <a:rPr lang="en-US" altLang="zh-CN" sz="1200" b="0" kern="1200" dirty="0">
+                <a:solidFill>
+                  <a:schemeClr val="tx1"/>
+                </a:solidFill>
+                <a:effectLst/>
+                <a:latin typeface="+mn-lt"/>
+                <a:ea typeface="+mn-ea"/>
+                <a:cs typeface="+mn-cs"/>
+              </a:rPr>
+              <a:t>–》</a:t>
+            </a:r>
+            <a:r>
+              <a:rPr lang="zh-CN" altLang="en-US" sz="1200" b="0" kern="1200" dirty="0">
+                <a:solidFill>
+                  <a:schemeClr val="tx1"/>
+                </a:solidFill>
+                <a:effectLst/>
+                <a:latin typeface="+mn-lt"/>
+                <a:ea typeface="+mn-ea"/>
+                <a:cs typeface="+mn-cs"/>
+              </a:rPr>
+              <a:t>不知道谁更新了</a:t>
+            </a:r>
+            <a:r>
+              <a:rPr lang="en-US" altLang="zh-CN" sz="1200" b="0" kern="1200" dirty="0">
+                <a:solidFill>
+                  <a:schemeClr val="tx1"/>
+                </a:solidFill>
+                <a:effectLst/>
+                <a:latin typeface="+mn-lt"/>
+                <a:ea typeface="+mn-ea"/>
+                <a:cs typeface="+mn-cs"/>
+              </a:rPr>
+              <a:t>Model</a:t>
+            </a:r>
+            <a:r>
+              <a:rPr lang="zh-CN" altLang="en-US" sz="1200" b="0" kern="1200" dirty="0">
+                <a:solidFill>
+                  <a:schemeClr val="tx1"/>
+                </a:solidFill>
+                <a:effectLst/>
+                <a:latin typeface="+mn-lt"/>
+                <a:ea typeface="+mn-ea"/>
+                <a:cs typeface="+mn-cs"/>
+              </a:rPr>
+              <a:t>的数据</a:t>
+            </a:r>
+            <a:r>
+              <a:rPr lang="en-US" altLang="zh-CN" sz="1200" b="0" kern="1200" dirty="0">
+                <a:solidFill>
+                  <a:schemeClr val="tx1"/>
+                </a:solidFill>
+                <a:effectLst/>
+                <a:latin typeface="+mn-lt"/>
+                <a:ea typeface="+mn-ea"/>
+                <a:cs typeface="+mn-cs"/>
+              </a:rPr>
+              <a:t>–》Model</a:t>
+            </a:r>
+            <a:r>
+              <a:rPr lang="zh-CN" altLang="en-US" sz="1200" b="0" kern="1200" dirty="0">
+                <a:solidFill>
+                  <a:schemeClr val="tx1"/>
+                </a:solidFill>
+                <a:effectLst/>
+                <a:latin typeface="+mn-lt"/>
+                <a:ea typeface="+mn-ea"/>
+                <a:cs typeface="+mn-cs"/>
+              </a:rPr>
+              <a:t>（带着数据）回到了</a:t>
+            </a:r>
+            <a:r>
+              <a:rPr lang="en-US" altLang="zh-CN" sz="1200" b="0" kern="1200" dirty="0">
+                <a:solidFill>
+                  <a:schemeClr val="tx1"/>
+                </a:solidFill>
+                <a:effectLst/>
+                <a:latin typeface="+mn-lt"/>
+                <a:ea typeface="+mn-ea"/>
+                <a:cs typeface="+mn-cs"/>
+              </a:rPr>
+              <a:t>View–》View</a:t>
+            </a:r>
+            <a:r>
+              <a:rPr lang="zh-CN" altLang="en-US" sz="1200" b="0" kern="1200" dirty="0">
+                <a:solidFill>
+                  <a:schemeClr val="tx1"/>
+                </a:solidFill>
+                <a:effectLst/>
+                <a:latin typeface="+mn-lt"/>
+                <a:ea typeface="+mn-ea"/>
+                <a:cs typeface="+mn-cs"/>
+              </a:rPr>
+              <a:t>更新数据</a:t>
+            </a:r>
+          </a:p>
+          <a:p>
+            <a:pPr latinLnBrk="0"/>
+            <a:r>
+              <a:rPr lang="zh-CN" altLang="en-US" sz="1200" b="0" i="0" kern="1200" dirty="0">
+                <a:solidFill>
+                  <a:schemeClr val="tx1"/>
+                </a:solidFill>
+                <a:effectLst/>
+                <a:latin typeface="+mn-lt"/>
+                <a:ea typeface="+mn-ea"/>
+                <a:cs typeface="+mn-cs"/>
+              </a:rPr>
+              <a:t> </a:t>
+            </a:r>
+          </a:p>
+          <a:p>
             <a:endParaRPr lang="zh-CN" altLang="en-US" dirty="0"/>
           </a:p>
         </p:txBody>
@@ -2014,14 +2262,13 @@
           <a:lstStyle/>
           <a:p>
             <a:r>
-              <a:rPr lang="en-US" altLang="zh-CN" dirty="0" smtClean="0"/>
+              <a:rPr lang="en-US" altLang="zh-CN" dirty="0"/>
               <a:t>retrieve (</a:t>
             </a:r>
             <a:r>
-              <a:rPr lang="zh-CN" altLang="en-US" dirty="0" smtClean="0"/>
+              <a:rPr lang="zh-CN" altLang="en-US" dirty="0"/>
               <a:t>检索）</a:t>
             </a:r>
-            <a:endParaRPr lang="zh-CN" altLang="en-US" dirty="0"/>
           </a:p>
         </p:txBody>
       </p:sp>
@@ -2188,9 +2435,9 @@
           <a:bodyPr/>
           <a:lstStyle/>
           <a:p>
-            <a:fld id="{AB62B285-EF9C-400B-B313-5EAF7F5B0176}" type="datetimeFigureOut">
+            <a:fld id="{D23B8C21-6B04-4EA1-82FA-40B3539D92F6}" type="datetime1">
               <a:rPr lang="zh-CN" altLang="en-US" smtClean="0"/>
-              <a:t>2018-01-02</a:t>
+              <a:t>2018/1/3</a:t>
             </a:fld>
             <a:endParaRPr lang="zh-CN" altLang="en-US"/>
           </a:p>
@@ -2356,9 +2603,9 @@
           <a:bodyPr/>
           <a:lstStyle/>
           <a:p>
-            <a:fld id="{AB62B285-EF9C-400B-B313-5EAF7F5B0176}" type="datetimeFigureOut">
+            <a:fld id="{41141BB1-1D6C-4863-8899-2C7CCF524220}" type="datetime1">
               <a:rPr lang="zh-CN" altLang="en-US" smtClean="0"/>
-              <a:t>2018-01-02</a:t>
+              <a:t>2018/1/3</a:t>
             </a:fld>
             <a:endParaRPr lang="zh-CN" altLang="en-US"/>
           </a:p>
@@ -2534,9 +2781,9 @@
           <a:bodyPr/>
           <a:lstStyle/>
           <a:p>
-            <a:fld id="{AB62B285-EF9C-400B-B313-5EAF7F5B0176}" type="datetimeFigureOut">
+            <a:fld id="{065DF3C2-F9A8-4E2C-A9A5-EB2514F063EA}" type="datetime1">
               <a:rPr lang="zh-CN" altLang="en-US" smtClean="0"/>
-              <a:t>2018-01-02</a:t>
+              <a:t>2018/1/3</a:t>
             </a:fld>
             <a:endParaRPr lang="zh-CN" altLang="en-US"/>
           </a:p>
@@ -2702,9 +2949,9 @@
           <a:bodyPr/>
           <a:lstStyle/>
           <a:p>
-            <a:fld id="{AB62B285-EF9C-400B-B313-5EAF7F5B0176}" type="datetimeFigureOut">
+            <a:fld id="{977441EC-2F48-4D8A-B385-A8D04D98944B}" type="datetime1">
               <a:rPr lang="zh-CN" altLang="en-US" smtClean="0"/>
-              <a:t>2018-01-02</a:t>
+              <a:t>2018/1/3</a:t>
             </a:fld>
             <a:endParaRPr lang="zh-CN" altLang="en-US"/>
           </a:p>
@@ -2947,9 +3194,9 @@
           <a:bodyPr/>
           <a:lstStyle/>
           <a:p>
-            <a:fld id="{AB62B285-EF9C-400B-B313-5EAF7F5B0176}" type="datetimeFigureOut">
+            <a:fld id="{7283EB8F-6848-4256-807B-9D49BBA598A9}" type="datetime1">
               <a:rPr lang="zh-CN" altLang="en-US" smtClean="0"/>
-              <a:t>2018-01-02</a:t>
+              <a:t>2018/1/3</a:t>
             </a:fld>
             <a:endParaRPr lang="zh-CN" altLang="en-US"/>
           </a:p>
@@ -3176,9 +3423,9 @@
           <a:bodyPr/>
           <a:lstStyle/>
           <a:p>
-            <a:fld id="{AB62B285-EF9C-400B-B313-5EAF7F5B0176}" type="datetimeFigureOut">
+            <a:fld id="{BECCA96B-857C-44FD-BF19-C1D567DB6FEE}" type="datetime1">
               <a:rPr lang="zh-CN" altLang="en-US" smtClean="0"/>
-              <a:t>2018-01-02</a:t>
+              <a:t>2018/1/3</a:t>
             </a:fld>
             <a:endParaRPr lang="zh-CN" altLang="en-US"/>
           </a:p>
@@ -3540,9 +3787,9 @@
           <a:bodyPr/>
           <a:lstStyle/>
           <a:p>
-            <a:fld id="{AB62B285-EF9C-400B-B313-5EAF7F5B0176}" type="datetimeFigureOut">
+            <a:fld id="{C36436A0-075E-4452-B489-F65D61E58F87}" type="datetime1">
               <a:rPr lang="zh-CN" altLang="en-US" smtClean="0"/>
-              <a:t>2018-01-02</a:t>
+              <a:t>2018/1/3</a:t>
             </a:fld>
             <a:endParaRPr lang="zh-CN" altLang="en-US"/>
           </a:p>
@@ -3657,9 +3904,9 @@
           <a:bodyPr/>
           <a:lstStyle/>
           <a:p>
-            <a:fld id="{AB62B285-EF9C-400B-B313-5EAF7F5B0176}" type="datetimeFigureOut">
+            <a:fld id="{043574A9-9058-4B48-A329-286C2B4D7DCF}" type="datetime1">
               <a:rPr lang="zh-CN" altLang="en-US" smtClean="0"/>
-              <a:t>2018-01-02</a:t>
+              <a:t>2018/1/3</a:t>
             </a:fld>
             <a:endParaRPr lang="zh-CN" altLang="en-US"/>
           </a:p>
@@ -3752,9 +3999,9 @@
           <a:bodyPr/>
           <a:lstStyle/>
           <a:p>
-            <a:fld id="{AB62B285-EF9C-400B-B313-5EAF7F5B0176}" type="datetimeFigureOut">
+            <a:fld id="{6ABADF29-0225-4494-891A-FE44B8D4E02A}" type="datetime1">
               <a:rPr lang="zh-CN" altLang="en-US" smtClean="0"/>
-              <a:t>2018-01-02</a:t>
+              <a:t>2018/1/3</a:t>
             </a:fld>
             <a:endParaRPr lang="zh-CN" altLang="en-US"/>
           </a:p>
@@ -4027,9 +4274,9 @@
           <a:bodyPr/>
           <a:lstStyle/>
           <a:p>
-            <a:fld id="{AB62B285-EF9C-400B-B313-5EAF7F5B0176}" type="datetimeFigureOut">
+            <a:fld id="{1DEC89A1-15AC-446A-9965-B7D96F8809D4}" type="datetime1">
               <a:rPr lang="zh-CN" altLang="en-US" smtClean="0"/>
-              <a:t>2018-01-02</a:t>
+              <a:t>2018/1/3</a:t>
             </a:fld>
             <a:endParaRPr lang="zh-CN" altLang="en-US"/>
           </a:p>
@@ -4279,9 +4526,9 @@
           <a:bodyPr/>
           <a:lstStyle/>
           <a:p>
-            <a:fld id="{AB62B285-EF9C-400B-B313-5EAF7F5B0176}" type="datetimeFigureOut">
+            <a:fld id="{1F08A412-AA57-49B2-A13D-11D47A026C94}" type="datetime1">
               <a:rPr lang="zh-CN" altLang="en-US" smtClean="0"/>
-              <a:t>2018-01-02</a:t>
+              <a:t>2018/1/3</a:t>
             </a:fld>
             <a:endParaRPr lang="zh-CN" altLang="en-US"/>
           </a:p>
@@ -4490,9 +4737,9 @@
             </a:lvl1pPr>
           </a:lstStyle>
           <a:p>
-            <a:fld id="{AB62B285-EF9C-400B-B313-5EAF7F5B0176}" type="datetimeFigureOut">
+            <a:fld id="{CB31FFC2-D0A8-4B37-9E7E-8070B4C4AAD3}" type="datetime1">
               <a:rPr lang="zh-CN" altLang="en-US" smtClean="0"/>
-              <a:t>2018-01-02</a:t>
+              <a:t>2018/1/3</a:t>
             </a:fld>
             <a:endParaRPr lang="zh-CN" altLang="en-US"/>
           </a:p>
@@ -4597,6 +4844,7 @@
     <p:sldLayoutId id="2147483658" r:id="rId10"/>
     <p:sldLayoutId id="2147483659" r:id="rId11"/>
   </p:sldLayoutIdLst>
+  <p:hf hdr="0" ftr="0" dt="0"/>
   <p:txStyles>
     <p:titleStyle>
       <a:lvl1pPr algn="l" defTabSz="914400" rtl="0" eaLnBrk="1" latinLnBrk="0" hangingPunct="1">
@@ -4951,6 +5199,29 @@
           </a:p>
         </p:txBody>
       </p:sp>
+      <p:sp>
+        <p:nvSpPr>
+          <p:cNvPr id="4" name="Slide Number Placeholder 3"/>
+          <p:cNvSpPr>
+            <a:spLocks noGrp="1"/>
+          </p:cNvSpPr>
+          <p:nvPr>
+            <p:ph type="sldNum" sz="quarter" idx="12"/>
+          </p:nvPr>
+        </p:nvSpPr>
+        <p:spPr/>
+        <p:txBody>
+          <a:bodyPr/>
+          <a:lstStyle/>
+          <a:p>
+            <a:fld id="{A4D84770-76CE-4B8E-8297-3A1C1B876FD4}" type="slidenum">
+              <a:rPr lang="zh-CN" altLang="en-US" smtClean="0"/>
+              <a:t>1</a:t>
+            </a:fld>
+            <a:endParaRPr lang="zh-CN" altLang="en-US"/>
+          </a:p>
+        </p:txBody>
+      </p:sp>
     </p:spTree>
     <p:extLst>
       <p:ext uri="{BB962C8B-B14F-4D97-AF65-F5344CB8AC3E}">
@@ -4994,7 +5265,7 @@
           <p:cNvPr id="11" name="Rectangle 10">
             <a:extLst>
               <a:ext uri="{FF2B5EF4-FFF2-40B4-BE49-F238E27FC236}">
-                <a16:creationId xmlns:a16="http://schemas.microsoft.com/office/drawing/2014/main" xmlns="" id="{047C8CCB-F95D-4249-92DD-651249D3535A}"/>
+                <a16:creationId xmlns:a16="http://schemas.microsoft.com/office/drawing/2014/main" id="{047C8CCB-F95D-4249-92DD-651249D3535A}"/>
               </a:ext>
             </a:extLst>
           </p:cNvPr>
@@ -5004,7 +5275,7 @@
           <p:nvPr>
             <p:extLst>
               <p:ext uri="{386F3935-93C4-4BCD-93E2-E3B085C9AB24}">
-                <p16:designElem xmlns:p16="http://schemas.microsoft.com/office/powerpoint/2015/main" xmlns="" val="1"/>
+                <p16:designElem xmlns:p16="http://schemas.microsoft.com/office/powerpoint/2015/main" val="1"/>
               </p:ext>
             </p:extLst>
           </p:nvPr>
@@ -5132,6 +5403,29 @@
           </a:p>
         </p:txBody>
       </p:sp>
+      <p:sp>
+        <p:nvSpPr>
+          <p:cNvPr id="2" name="Slide Number Placeholder 1"/>
+          <p:cNvSpPr>
+            <a:spLocks noGrp="1"/>
+          </p:cNvSpPr>
+          <p:nvPr>
+            <p:ph type="sldNum" sz="quarter" idx="12"/>
+          </p:nvPr>
+        </p:nvSpPr>
+        <p:spPr/>
+        <p:txBody>
+          <a:bodyPr/>
+          <a:lstStyle/>
+          <a:p>
+            <a:fld id="{A4D84770-76CE-4B8E-8297-3A1C1B876FD4}" type="slidenum">
+              <a:rPr lang="zh-CN" altLang="en-US" smtClean="0"/>
+              <a:t>10</a:t>
+            </a:fld>
+            <a:endParaRPr lang="zh-CN" altLang="en-US"/>
+          </a:p>
+        </p:txBody>
+      </p:sp>
     </p:spTree>
     <p:extLst>
       <p:ext uri="{BB962C8B-B14F-4D97-AF65-F5344CB8AC3E}">
@@ -5398,17 +5692,9 @@
             <a:pPr marL="0" indent="0">
               <a:buNone/>
             </a:pPr>
-            <a:r>
-              <a:rPr lang="en-US" dirty="0"/>
-              <a:t/>
-            </a:r>
             <a:br>
               <a:rPr lang="en-US" dirty="0"/>
             </a:br>
-            <a:r>
-              <a:rPr lang="en-US" dirty="0"/>
-              <a:t/>
-            </a:r>
             <a:br>
               <a:rPr lang="en-US" dirty="0"/>
             </a:br>
@@ -5445,6 +5731,29 @@
               <a:rPr lang="en-US" altLang="en-US" dirty="0"/>
               <a:t>App Development Using OpenUI5</a:t>
             </a:r>
+          </a:p>
+        </p:txBody>
+      </p:sp>
+      <p:sp>
+        <p:nvSpPr>
+          <p:cNvPr id="2" name="Slide Number Placeholder 1"/>
+          <p:cNvSpPr>
+            <a:spLocks noGrp="1"/>
+          </p:cNvSpPr>
+          <p:nvPr>
+            <p:ph type="sldNum" sz="quarter" idx="12"/>
+          </p:nvPr>
+        </p:nvSpPr>
+        <p:spPr/>
+        <p:txBody>
+          <a:bodyPr/>
+          <a:lstStyle/>
+          <a:p>
+            <a:fld id="{A4D84770-76CE-4B8E-8297-3A1C1B876FD4}" type="slidenum">
+              <a:rPr lang="zh-CN" altLang="en-US" smtClean="0"/>
+              <a:t>11</a:t>
+            </a:fld>
+            <a:endParaRPr lang="zh-CN" altLang="en-US"/>
           </a:p>
         </p:txBody>
       </p:sp>
@@ -5510,6 +5819,29 @@
           </a:p>
         </p:txBody>
       </p:sp>
+      <p:sp>
+        <p:nvSpPr>
+          <p:cNvPr id="3" name="Slide Number Placeholder 2"/>
+          <p:cNvSpPr>
+            <a:spLocks noGrp="1"/>
+          </p:cNvSpPr>
+          <p:nvPr>
+            <p:ph type="sldNum" sz="quarter" idx="12"/>
+          </p:nvPr>
+        </p:nvSpPr>
+        <p:spPr/>
+        <p:txBody>
+          <a:bodyPr/>
+          <a:lstStyle/>
+          <a:p>
+            <a:fld id="{A4D84770-76CE-4B8E-8297-3A1C1B876FD4}" type="slidenum">
+              <a:rPr lang="zh-CN" altLang="en-US" smtClean="0"/>
+              <a:t>12</a:t>
+            </a:fld>
+            <a:endParaRPr lang="zh-CN" altLang="en-US"/>
+          </a:p>
+        </p:txBody>
+      </p:sp>
     </p:spTree>
     <p:extLst>
       <p:ext uri="{BB962C8B-B14F-4D97-AF65-F5344CB8AC3E}">
@@ -5978,6 +6310,29 @@
           </a:prstGeom>
         </p:spPr>
       </p:pic>
+      <p:sp>
+        <p:nvSpPr>
+          <p:cNvPr id="6" name="Slide Number Placeholder 5"/>
+          <p:cNvSpPr>
+            <a:spLocks noGrp="1"/>
+          </p:cNvSpPr>
+          <p:nvPr>
+            <p:ph type="sldNum" sz="quarter" idx="12"/>
+          </p:nvPr>
+        </p:nvSpPr>
+        <p:spPr/>
+        <p:txBody>
+          <a:bodyPr/>
+          <a:lstStyle/>
+          <a:p>
+            <a:fld id="{A4D84770-76CE-4B8E-8297-3A1C1B876FD4}" type="slidenum">
+              <a:rPr lang="zh-CN" altLang="en-US" smtClean="0"/>
+              <a:t>13</a:t>
+            </a:fld>
+            <a:endParaRPr lang="zh-CN" altLang="en-US"/>
+          </a:p>
+        </p:txBody>
+      </p:sp>
     </p:spTree>
     <p:extLst>
       <p:ext uri="{BB962C8B-B14F-4D97-AF65-F5344CB8AC3E}">
@@ -6027,11 +6382,7 @@
           <a:p>
             <a:r>
               <a:rPr lang="en-US" altLang="zh-CN" dirty="0"/>
-              <a:t>Model View Controller (MVC</a:t>
-            </a:r>
-            <a:r>
-              <a:rPr lang="en-US" altLang="zh-CN" dirty="0" smtClean="0"/>
-              <a:t>)</a:t>
+              <a:t>Model View Controller (MVC)</a:t>
             </a:r>
             <a:endParaRPr lang="zh-CN" altLang="en-US" dirty="0"/>
           </a:p>
@@ -6100,6 +6451,29 @@
           </a:prstGeom>
         </p:spPr>
       </p:pic>
+      <p:sp>
+        <p:nvSpPr>
+          <p:cNvPr id="3" name="Slide Number Placeholder 2"/>
+          <p:cNvSpPr>
+            <a:spLocks noGrp="1"/>
+          </p:cNvSpPr>
+          <p:nvPr>
+            <p:ph type="sldNum" sz="quarter" idx="12"/>
+          </p:nvPr>
+        </p:nvSpPr>
+        <p:spPr/>
+        <p:txBody>
+          <a:bodyPr/>
+          <a:lstStyle/>
+          <a:p>
+            <a:fld id="{A4D84770-76CE-4B8E-8297-3A1C1B876FD4}" type="slidenum">
+              <a:rPr lang="zh-CN" altLang="en-US" smtClean="0"/>
+              <a:t>14</a:t>
+            </a:fld>
+            <a:endParaRPr lang="zh-CN" altLang="en-US"/>
+          </a:p>
+        </p:txBody>
+      </p:sp>
     </p:spTree>
     <p:extLst>
       <p:ext uri="{BB962C8B-B14F-4D97-AF65-F5344CB8AC3E}">
@@ -6110,13 +6484,6 @@
   <p:clrMapOvr>
     <a:masterClrMapping/>
   </p:clrMapOvr>
-  <p:timing>
-    <p:tnLst>
-      <p:par>
-        <p:cTn id="1" dur="indefinite" restart="never" nodeType="tmRoot"/>
-      </p:par>
-    </p:tnLst>
-  </p:timing>
 </p:sld>
 </file>
 
@@ -6153,7 +6520,7 @@
           <a:lstStyle/>
           <a:p>
             <a:r>
-              <a:rPr lang="en-US" altLang="zh-CN" dirty="0" smtClean="0"/>
+              <a:rPr lang="en-US" altLang="zh-CN" dirty="0"/>
               <a:t>Model</a:t>
             </a:r>
             <a:endParaRPr lang="zh-CN" altLang="en-US" dirty="0"/>
@@ -6177,11 +6544,7 @@
           <a:p>
             <a:r>
               <a:rPr lang="en-US" altLang="zh-CN" dirty="0"/>
-              <a:t>A model in the Model View Controller concept holds the data and provides methods to retrieve the data from the database and to set and update data</a:t>
-            </a:r>
-            <a:r>
-              <a:rPr lang="en-US" altLang="zh-CN" dirty="0" smtClean="0"/>
-              <a:t>.</a:t>
+              <a:t>A model in the Model View Controller concept holds the data and provides methods to retrieve the data from the database and to set and update data.</a:t>
             </a:r>
           </a:p>
           <a:p>
@@ -6198,7 +6561,6 @@
               <a:rPr lang="en-US" altLang="zh-CN" dirty="0"/>
               <a:t>, meaning that the model data is loaded completely and is available on the client. </a:t>
             </a:r>
-            <a:endParaRPr lang="en-US" altLang="zh-CN" dirty="0" smtClean="0"/>
           </a:p>
           <a:p>
             <a:pPr lvl="1"/>
@@ -6214,6 +6576,29 @@
               <a:rPr lang="en-US" altLang="zh-CN" dirty="0"/>
               <a:t> and only loads the data requested by the user interface from the server.</a:t>
             </a:r>
+          </a:p>
+        </p:txBody>
+      </p:sp>
+      <p:sp>
+        <p:nvSpPr>
+          <p:cNvPr id="4" name="Slide Number Placeholder 3"/>
+          <p:cNvSpPr>
+            <a:spLocks noGrp="1"/>
+          </p:cNvSpPr>
+          <p:nvPr>
+            <p:ph type="sldNum" sz="quarter" idx="12"/>
+          </p:nvPr>
+        </p:nvSpPr>
+        <p:spPr/>
+        <p:txBody>
+          <a:bodyPr/>
+          <a:lstStyle/>
+          <a:p>
+            <a:fld id="{A4D84770-76CE-4B8E-8297-3A1C1B876FD4}" type="slidenum">
+              <a:rPr lang="zh-CN" altLang="en-US" smtClean="0"/>
+              <a:t>15</a:t>
+            </a:fld>
+            <a:endParaRPr lang="zh-CN" altLang="en-US"/>
           </a:p>
         </p:txBody>
       </p:sp>
@@ -6263,7 +6648,7 @@
           <a:lstStyle/>
           <a:p>
             <a:r>
-              <a:rPr lang="en-US" altLang="zh-CN" dirty="0" smtClean="0"/>
+              <a:rPr lang="en-US" altLang="zh-CN" dirty="0"/>
               <a:t>JSON MODEL</a:t>
             </a:r>
             <a:endParaRPr lang="zh-CN" altLang="en-US" dirty="0"/>
@@ -6334,15 +6719,7 @@
             </a:pPr>
             <a:r>
               <a:rPr lang="en-US" altLang="zh-CN" dirty="0"/>
-              <a:t>    </a:t>
-            </a:r>
-            <a:r>
-              <a:rPr lang="en-US" altLang="zh-CN" dirty="0" smtClean="0"/>
-              <a:t>time</a:t>
-            </a:r>
-            <a:r>
-              <a:rPr lang="en-US" altLang="zh-CN" dirty="0"/>
-              <a:t>: new Date().</a:t>
+              <a:t>    time: new Date().</a:t>
             </a:r>
             <a:r>
               <a:rPr lang="en-US" altLang="zh-CN" dirty="0" err="1"/>
@@ -6353,7 +6730,7 @@
               <a:t>()</a:t>
             </a:r>
             <a:r>
-              <a:rPr lang="zh-CN" altLang="en-US" dirty="0" smtClean="0"/>
+              <a:rPr lang="zh-CN" altLang="en-US" dirty="0"/>
               <a:t>，</a:t>
             </a:r>
             <a:endParaRPr lang="en-US" altLang="zh-CN" dirty="0"/>
@@ -6363,7 +6740,7 @@
               <a:buNone/>
             </a:pPr>
             <a:r>
-              <a:rPr lang="en-US" altLang="zh-CN" dirty="0" smtClean="0"/>
+              <a:rPr lang="en-US" altLang="zh-CN" dirty="0"/>
               <a:t>});</a:t>
             </a:r>
           </a:p>
@@ -6394,28 +6771,16 @@
             </a:pPr>
             <a:r>
               <a:rPr lang="en-US" altLang="zh-CN" dirty="0"/>
-              <a:t>            </a:t>
-            </a:r>
-            <a:r>
-              <a:rPr lang="en-US" altLang="zh-CN" dirty="0" smtClean="0"/>
-              <a:t>text</a:t>
-            </a:r>
+              <a:t>            text: '{/time}'</a:t>
+            </a:r>
+          </a:p>
+          <a:p>
+            <a:pPr marL="0" indent="0">
+              <a:buNone/>
+            </a:pPr>
             <a:r>
               <a:rPr lang="en-US" altLang="zh-CN" dirty="0"/>
-              <a:t>: '{/time}'</a:t>
-            </a:r>
-          </a:p>
-          <a:p>
-            <a:pPr marL="0" indent="0">
-              <a:buNone/>
-            </a:pPr>
-            <a:r>
-              <a:rPr lang="en-US" altLang="zh-CN" dirty="0"/>
-              <a:t>        </a:t>
-            </a:r>
-            <a:r>
-              <a:rPr lang="en-US" altLang="zh-CN" dirty="0" smtClean="0"/>
-              <a:t>});</a:t>
+              <a:t>        });</a:t>
             </a:r>
           </a:p>
           <a:p>
@@ -6431,6 +6796,29 @@
               <a:t>(m)</a:t>
             </a:r>
             <a:endParaRPr lang="zh-CN" altLang="en-US" dirty="0"/>
+          </a:p>
+        </p:txBody>
+      </p:sp>
+      <p:sp>
+        <p:nvSpPr>
+          <p:cNvPr id="4" name="Slide Number Placeholder 3"/>
+          <p:cNvSpPr>
+            <a:spLocks noGrp="1"/>
+          </p:cNvSpPr>
+          <p:nvPr>
+            <p:ph type="sldNum" sz="quarter" idx="12"/>
+          </p:nvPr>
+        </p:nvSpPr>
+        <p:spPr/>
+        <p:txBody>
+          <a:bodyPr/>
+          <a:lstStyle/>
+          <a:p>
+            <a:fld id="{A4D84770-76CE-4B8E-8297-3A1C1B876FD4}" type="slidenum">
+              <a:rPr lang="zh-CN" altLang="en-US" smtClean="0"/>
+              <a:t>16</a:t>
+            </a:fld>
+            <a:endParaRPr lang="zh-CN" altLang="en-US"/>
           </a:p>
         </p:txBody>
       </p:sp>
@@ -6582,6 +6970,29 @@
           </a:prstGeom>
         </p:spPr>
       </p:pic>
+      <p:sp>
+        <p:nvSpPr>
+          <p:cNvPr id="5" name="Slide Number Placeholder 4"/>
+          <p:cNvSpPr>
+            <a:spLocks noGrp="1"/>
+          </p:cNvSpPr>
+          <p:nvPr>
+            <p:ph type="sldNum" sz="quarter" idx="12"/>
+          </p:nvPr>
+        </p:nvSpPr>
+        <p:spPr/>
+        <p:txBody>
+          <a:bodyPr/>
+          <a:lstStyle/>
+          <a:p>
+            <a:fld id="{A4D84770-76CE-4B8E-8297-3A1C1B876FD4}" type="slidenum">
+              <a:rPr lang="zh-CN" altLang="en-US" smtClean="0"/>
+              <a:t>17</a:t>
+            </a:fld>
+            <a:endParaRPr lang="zh-CN" altLang="en-US"/>
+          </a:p>
+        </p:txBody>
+      </p:sp>
     </p:spTree>
     <p:extLst>
       <p:ext uri="{BB962C8B-B14F-4D97-AF65-F5344CB8AC3E}">
@@ -6662,10 +7073,6 @@
             </a:r>
           </a:p>
           <a:p>
-            <a:r>
-              <a:rPr lang="en-US" dirty="0"/>
-              <a:t/>
-            </a:r>
             <a:br>
               <a:rPr lang="en-US" dirty="0"/>
             </a:br>
@@ -6732,6 +7139,29 @@
           </a:p>
           <a:p>
             <a:endParaRPr lang="en-US" dirty="0"/>
+          </a:p>
+        </p:txBody>
+      </p:sp>
+      <p:sp>
+        <p:nvSpPr>
+          <p:cNvPr id="4" name="Slide Number Placeholder 3"/>
+          <p:cNvSpPr>
+            <a:spLocks noGrp="1"/>
+          </p:cNvSpPr>
+          <p:nvPr>
+            <p:ph type="sldNum" sz="quarter" idx="12"/>
+          </p:nvPr>
+        </p:nvSpPr>
+        <p:spPr/>
+        <p:txBody>
+          <a:bodyPr/>
+          <a:lstStyle/>
+          <a:p>
+            <a:fld id="{A4D84770-76CE-4B8E-8297-3A1C1B876FD4}" type="slidenum">
+              <a:rPr lang="zh-CN" altLang="en-US" smtClean="0"/>
+              <a:t>18</a:t>
+            </a:fld>
+            <a:endParaRPr lang="zh-CN" altLang="en-US"/>
           </a:p>
         </p:txBody>
       </p:sp>
@@ -6778,7 +7208,7 @@
           <p:cNvPr id="14" name="Rectangle 11">
             <a:extLst>
               <a:ext uri="{FF2B5EF4-FFF2-40B4-BE49-F238E27FC236}">
-                <a16:creationId xmlns:a16="http://schemas.microsoft.com/office/drawing/2014/main" xmlns="" id="{A4AC5506-6312-4701-8D3C-40187889A947}"/>
+                <a16:creationId xmlns:a16="http://schemas.microsoft.com/office/drawing/2014/main" id="{A4AC5506-6312-4701-8D3C-40187889A947}"/>
               </a:ext>
             </a:extLst>
           </p:cNvPr>
@@ -6788,7 +7218,7 @@
           <p:nvPr>
             <p:extLst>
               <p:ext uri="{386F3935-93C4-4BCD-93E2-E3B085C9AB24}">
-                <p16:designElem xmlns:p16="http://schemas.microsoft.com/office/powerpoint/2015/main" xmlns="" val="1"/>
+                <p16:designElem xmlns:p16="http://schemas.microsoft.com/office/powerpoint/2015/main" val="1"/>
               </p:ext>
             </p:extLst>
           </p:nvPr>
@@ -6930,6 +7360,29 @@
           </a:p>
         </p:txBody>
       </p:sp>
+      <p:sp>
+        <p:nvSpPr>
+          <p:cNvPr id="2" name="Slide Number Placeholder 1"/>
+          <p:cNvSpPr>
+            <a:spLocks noGrp="1"/>
+          </p:cNvSpPr>
+          <p:nvPr>
+            <p:ph type="sldNum" sz="quarter" idx="12"/>
+          </p:nvPr>
+        </p:nvSpPr>
+        <p:spPr/>
+        <p:txBody>
+          <a:bodyPr/>
+          <a:lstStyle/>
+          <a:p>
+            <a:fld id="{A4D84770-76CE-4B8E-8297-3A1C1B876FD4}" type="slidenum">
+              <a:rPr lang="zh-CN" altLang="en-US" smtClean="0"/>
+              <a:t>19</a:t>
+            </a:fld>
+            <a:endParaRPr lang="zh-CN" altLang="en-US"/>
+          </a:p>
+        </p:txBody>
+      </p:sp>
     </p:spTree>
     <p:extLst>
       <p:ext uri="{BB962C8B-B14F-4D97-AF65-F5344CB8AC3E}">
@@ -7020,6 +7473,29 @@
           </a:p>
         </p:txBody>
       </p:sp>
+      <p:sp>
+        <p:nvSpPr>
+          <p:cNvPr id="4" name="Slide Number Placeholder 3"/>
+          <p:cNvSpPr>
+            <a:spLocks noGrp="1"/>
+          </p:cNvSpPr>
+          <p:nvPr>
+            <p:ph type="sldNum" sz="quarter" idx="12"/>
+          </p:nvPr>
+        </p:nvSpPr>
+        <p:spPr/>
+        <p:txBody>
+          <a:bodyPr/>
+          <a:lstStyle/>
+          <a:p>
+            <a:fld id="{A4D84770-76CE-4B8E-8297-3A1C1B876FD4}" type="slidenum">
+              <a:rPr lang="zh-CN" altLang="en-US" smtClean="0"/>
+              <a:t>2</a:t>
+            </a:fld>
+            <a:endParaRPr lang="zh-CN" altLang="en-US"/>
+          </a:p>
+        </p:txBody>
+      </p:sp>
     </p:spTree>
     <p:extLst>
       <p:ext uri="{BB962C8B-B14F-4D97-AF65-F5344CB8AC3E}">
@@ -7184,7 +7660,7 @@
           <p:nvPr/>
         </p:nvPicPr>
         <p:blipFill>
-          <a:blip r:embed="rId2"/>
+          <a:blip r:embed="rId3"/>
           <a:stretch>
             <a:fillRect/>
           </a:stretch>
@@ -7208,7 +7684,7 @@
           <p:nvPr/>
         </p:nvPicPr>
         <p:blipFill>
-          <a:blip r:embed="rId3"/>
+          <a:blip r:embed="rId4"/>
           <a:stretch>
             <a:fillRect/>
           </a:stretch>
@@ -7223,6 +7699,29 @@
           </a:prstGeom>
         </p:spPr>
       </p:pic>
+      <p:sp>
+        <p:nvSpPr>
+          <p:cNvPr id="5" name="Slide Number Placeholder 4"/>
+          <p:cNvSpPr>
+            <a:spLocks noGrp="1"/>
+          </p:cNvSpPr>
+          <p:nvPr>
+            <p:ph type="sldNum" sz="quarter" idx="12"/>
+          </p:nvPr>
+        </p:nvSpPr>
+        <p:spPr/>
+        <p:txBody>
+          <a:bodyPr/>
+          <a:lstStyle/>
+          <a:p>
+            <a:fld id="{A4D84770-76CE-4B8E-8297-3A1C1B876FD4}" type="slidenum">
+              <a:rPr lang="zh-CN" altLang="en-US" smtClean="0"/>
+              <a:t>20</a:t>
+            </a:fld>
+            <a:endParaRPr lang="zh-CN" altLang="en-US"/>
+          </a:p>
+        </p:txBody>
+      </p:sp>
     </p:spTree>
     <p:extLst>
       <p:ext uri="{BB962C8B-B14F-4D97-AF65-F5344CB8AC3E}">
@@ -7300,20 +7799,16 @@
               <a:buNone/>
             </a:pPr>
             <a:r>
-              <a:rPr lang="en-US" altLang="zh-CN" dirty="0" smtClean="0"/>
+              <a:rPr lang="en-US" altLang="zh-CN" dirty="0"/>
               <a:t>sap.ui.controller("</a:t>
             </a:r>
             <a:r>
-              <a:rPr lang="en-US" altLang="zh-CN" dirty="0" err="1" smtClean="0"/>
+              <a:rPr lang="en-US" altLang="zh-CN" dirty="0" err="1"/>
               <a:t>todo.Todo</a:t>
             </a:r>
             <a:r>
               <a:rPr lang="en-US" altLang="zh-CN" dirty="0"/>
-              <a:t>", </a:t>
-            </a:r>
-            <a:r>
-              <a:rPr lang="en-US" altLang="zh-CN" dirty="0" smtClean="0"/>
-              <a:t>{</a:t>
+              <a:t>", {</a:t>
             </a:r>
           </a:p>
           <a:p>
@@ -7321,25 +7816,24 @@
               <a:buNone/>
             </a:pPr>
             <a:r>
-              <a:rPr lang="en-US" altLang="zh-CN" dirty="0" smtClean="0"/>
+              <a:rPr lang="en-US" altLang="zh-CN" dirty="0"/>
               <a:t>    </a:t>
             </a:r>
             <a:r>
-              <a:rPr lang="en-US" altLang="zh-CN" dirty="0" err="1" smtClean="0"/>
+              <a:rPr lang="en-US" altLang="zh-CN" dirty="0" err="1"/>
               <a:t>onInit</a:t>
             </a:r>
             <a:r>
-              <a:rPr lang="en-US" altLang="zh-CN" dirty="0" smtClean="0"/>
+              <a:rPr lang="en-US" altLang="zh-CN" dirty="0"/>
               <a:t>: function(){},</a:t>
             </a:r>
-            <a:endParaRPr lang="en-US" altLang="zh-CN" dirty="0"/>
           </a:p>
           <a:p>
             <a:pPr marL="0" indent="0">
               <a:buNone/>
             </a:pPr>
             <a:r>
-              <a:rPr lang="en-US" altLang="zh-CN" dirty="0" smtClean="0"/>
+              <a:rPr lang="en-US" altLang="zh-CN" dirty="0"/>
               <a:t>   // controller logic goes here</a:t>
             </a:r>
           </a:p>
@@ -7348,23 +7842,41 @@
               <a:buNone/>
             </a:pPr>
             <a:r>
-              <a:rPr lang="en-US" altLang="zh-CN" dirty="0" smtClean="0"/>
+              <a:rPr lang="en-US" altLang="zh-CN" dirty="0"/>
               <a:t>});</a:t>
             </a:r>
-            <a:endParaRPr lang="en-US" altLang="zh-CN" dirty="0"/>
           </a:p>
           <a:p>
             <a:pPr marL="0" indent="0">
               <a:buNone/>
             </a:pPr>
-            <a:r>
-              <a:rPr lang="en-US" dirty="0"/>
-              <a:t/>
-            </a:r>
             <a:br>
               <a:rPr lang="en-US" dirty="0"/>
             </a:br>
             <a:endParaRPr lang="en-US" dirty="0"/>
+          </a:p>
+        </p:txBody>
+      </p:sp>
+      <p:sp>
+        <p:nvSpPr>
+          <p:cNvPr id="4" name="Slide Number Placeholder 3"/>
+          <p:cNvSpPr>
+            <a:spLocks noGrp="1"/>
+          </p:cNvSpPr>
+          <p:nvPr>
+            <p:ph type="sldNum" sz="quarter" idx="12"/>
+          </p:nvPr>
+        </p:nvSpPr>
+        <p:spPr/>
+        <p:txBody>
+          <a:bodyPr/>
+          <a:lstStyle/>
+          <a:p>
+            <a:fld id="{A4D84770-76CE-4B8E-8297-3A1C1B876FD4}" type="slidenum">
+              <a:rPr lang="zh-CN" altLang="en-US" smtClean="0"/>
+              <a:t>21</a:t>
+            </a:fld>
+            <a:endParaRPr lang="zh-CN" altLang="en-US"/>
           </a:p>
         </p:txBody>
       </p:sp>
@@ -7414,7 +7926,7 @@
           <a:lstStyle/>
           <a:p>
             <a:r>
-              <a:rPr lang="en-US" altLang="zh-CN" dirty="0" smtClean="0"/>
+              <a:rPr lang="en-US" altLang="zh-CN" dirty="0"/>
               <a:t>Controller’s Lifecycle hooks</a:t>
             </a:r>
             <a:endParaRPr lang="zh-CN" altLang="en-US" dirty="0"/>
@@ -7447,8 +7959,20 @@
                 <a:tableStyleId>{5C22544A-7EE6-4342-B048-85BDC9FD1C3A}</a:tableStyleId>
               </a:tblPr>
               <a:tblGrid>
-                <a:gridCol w="3169920"/>
-                <a:gridCol w="7345680"/>
+                <a:gridCol w="3169920">
+                  <a:extLst>
+                    <a:ext uri="{9D8B030D-6E8A-4147-A177-3AD203B41FA5}">
+                      <a16:colId xmlns:a16="http://schemas.microsoft.com/office/drawing/2014/main" val="20000"/>
+                    </a:ext>
+                  </a:extLst>
+                </a:gridCol>
+                <a:gridCol w="7345680">
+                  <a:extLst>
+                    <a:ext uri="{9D8B030D-6E8A-4147-A177-3AD203B41FA5}">
+                      <a16:colId xmlns:a16="http://schemas.microsoft.com/office/drawing/2014/main" val="20001"/>
+                    </a:ext>
+                  </a:extLst>
+                </a:gridCol>
               </a:tblGrid>
               <a:tr h="370840">
                 <a:tc>
@@ -7457,7 +7981,7 @@
                     <a:lstStyle/>
                     <a:p>
                       <a:r>
-                        <a:rPr lang="en-US" altLang="zh-CN" sz="2800" b="0" i="0" kern="1200" dirty="0" err="1" smtClean="0">
+                        <a:rPr lang="en-US" altLang="zh-CN" sz="2800" b="0" i="0" kern="1200" dirty="0" err="1">
                           <a:solidFill>
                             <a:schemeClr val="tx1"/>
                           </a:solidFill>
@@ -7469,7 +7993,7 @@
                         <a:t>onInit</a:t>
                       </a:r>
                       <a:r>
-                        <a:rPr lang="en-US" altLang="zh-CN" sz="2800" b="0" i="0" kern="1200" dirty="0" smtClean="0">
+                        <a:rPr lang="en-US" altLang="zh-CN" sz="2800" b="0" i="0" kern="1200" dirty="0">
                           <a:solidFill>
                             <a:schemeClr val="tx1"/>
                           </a:solidFill>
@@ -7495,7 +8019,7 @@
                     <a:lstStyle/>
                     <a:p>
                       <a:r>
-                        <a:rPr lang="en-US" altLang="zh-CN" sz="2800" dirty="0" smtClean="0">
+                        <a:rPr lang="en-US" altLang="zh-CN" sz="2800" dirty="0">
                           <a:solidFill>
                             <a:schemeClr val="tx1"/>
                           </a:solidFill>
@@ -7511,6 +8035,11 @@
                   </a:txBody>
                   <a:tcPr/>
                 </a:tc>
+                <a:extLst>
+                  <a:ext uri="{0D108BD9-81ED-4DB2-BD59-A6C34878D82A}">
+                    <a16:rowId xmlns:a16="http://schemas.microsoft.com/office/drawing/2014/main" val="10000"/>
+                  </a:ext>
+                </a:extLst>
               </a:tr>
               <a:tr h="370840">
                 <a:tc>
@@ -7519,7 +8048,7 @@
                     <a:lstStyle/>
                     <a:p>
                       <a:r>
-                        <a:rPr lang="en-US" altLang="zh-CN" sz="2800" dirty="0" err="1" smtClean="0">
+                        <a:rPr lang="en-US" altLang="zh-CN" sz="2800" dirty="0" err="1">
                           <a:solidFill>
                             <a:schemeClr val="tx1"/>
                           </a:solidFill>
@@ -7527,7 +8056,7 @@
                         <a:t>onBeforeRendering</a:t>
                       </a:r>
                       <a:r>
-                        <a:rPr lang="en-US" altLang="zh-CN" sz="2800" dirty="0" smtClean="0">
+                        <a:rPr lang="en-US" altLang="zh-CN" sz="2800" dirty="0">
                           <a:solidFill>
                             <a:schemeClr val="tx1"/>
                           </a:solidFill>
@@ -7549,7 +8078,7 @@
                     <a:lstStyle/>
                     <a:p>
                       <a:r>
-                        <a:rPr lang="en-US" altLang="zh-CN" sz="2800" dirty="0" smtClean="0">
+                        <a:rPr lang="en-US" altLang="zh-CN" sz="2800" dirty="0">
                           <a:solidFill>
                             <a:schemeClr val="tx1"/>
                           </a:solidFill>
@@ -7557,7 +8086,7 @@
                         <a:t>This method is called every time the View is rendered, </a:t>
                       </a:r>
                       <a:r>
-                        <a:rPr lang="en-US" altLang="zh-CN" sz="2800" dirty="0" smtClean="0">
+                        <a:rPr lang="en-US" altLang="zh-CN" sz="2800" dirty="0">
                           <a:solidFill>
                             <a:srgbClr val="FF0000"/>
                           </a:solidFill>
@@ -7565,7 +8094,7 @@
                         <a:t>before</a:t>
                       </a:r>
                       <a:r>
-                        <a:rPr lang="en-US" altLang="zh-CN" sz="2800" dirty="0" smtClean="0">
+                        <a:rPr lang="en-US" altLang="zh-CN" sz="2800" dirty="0">
                           <a:solidFill>
                             <a:schemeClr val="tx1"/>
                           </a:solidFill>
@@ -7581,6 +8110,11 @@
                   </a:txBody>
                   <a:tcPr/>
                 </a:tc>
+                <a:extLst>
+                  <a:ext uri="{0D108BD9-81ED-4DB2-BD59-A6C34878D82A}">
+                    <a16:rowId xmlns:a16="http://schemas.microsoft.com/office/drawing/2014/main" val="10001"/>
+                  </a:ext>
+                </a:extLst>
               </a:tr>
               <a:tr h="370840">
                 <a:tc>
@@ -7589,7 +8123,7 @@
                     <a:lstStyle/>
                     <a:p>
                       <a:r>
-                        <a:rPr lang="en-US" altLang="zh-CN" sz="2800" b="0" i="0" kern="1200" dirty="0" err="1" smtClean="0">
+                        <a:rPr lang="en-US" altLang="zh-CN" sz="2800" b="0" i="0" kern="1200" dirty="0" err="1">
                           <a:solidFill>
                             <a:schemeClr val="dk1"/>
                           </a:solidFill>
@@ -7601,7 +8135,7 @@
                         <a:t>onAfterRendering</a:t>
                       </a:r>
                       <a:r>
-                        <a:rPr lang="en-US" altLang="zh-CN" sz="2800" b="0" i="0" kern="1200" dirty="0" smtClean="0">
+                        <a:rPr lang="en-US" altLang="zh-CN" sz="2800" b="0" i="0" kern="1200" dirty="0">
                           <a:solidFill>
                             <a:schemeClr val="dk1"/>
                           </a:solidFill>
@@ -7630,7 +8164,7 @@
                     <a:lstStyle/>
                     <a:p>
                       <a:r>
-                        <a:rPr lang="en-US" altLang="zh-CN" sz="2800" dirty="0" smtClean="0">
+                        <a:rPr lang="en-US" altLang="zh-CN" sz="2800" dirty="0">
                           <a:solidFill>
                             <a:schemeClr val="tx1"/>
                           </a:solidFill>
@@ -7638,7 +8172,7 @@
                         <a:t>This method is called every time the View is rendered, </a:t>
                       </a:r>
                       <a:r>
-                        <a:rPr lang="en-US" altLang="zh-CN" sz="2800" dirty="0" smtClean="0">
+                        <a:rPr lang="en-US" altLang="zh-CN" sz="2800" dirty="0">
                           <a:solidFill>
                             <a:srgbClr val="FF0000"/>
                           </a:solidFill>
@@ -7646,7 +8180,7 @@
                         <a:t>after</a:t>
                       </a:r>
                       <a:r>
-                        <a:rPr lang="en-US" altLang="zh-CN" sz="2800" dirty="0" smtClean="0">
+                        <a:rPr lang="en-US" altLang="zh-CN" sz="2800" dirty="0">
                           <a:solidFill>
                             <a:schemeClr val="tx1"/>
                           </a:solidFill>
@@ -7662,6 +8196,11 @@
                   </a:txBody>
                   <a:tcPr/>
                 </a:tc>
+                <a:extLst>
+                  <a:ext uri="{0D108BD9-81ED-4DB2-BD59-A6C34878D82A}">
+                    <a16:rowId xmlns:a16="http://schemas.microsoft.com/office/drawing/2014/main" val="10002"/>
+                  </a:ext>
+                </a:extLst>
               </a:tr>
               <a:tr h="370840">
                 <a:tc>
@@ -7670,7 +8209,7 @@
                     <a:lstStyle/>
                     <a:p>
                       <a:r>
-                        <a:rPr lang="en-US" altLang="zh-CN" sz="2800" b="0" i="0" kern="1200" dirty="0" err="1" smtClean="0">
+                        <a:rPr lang="en-US" altLang="zh-CN" sz="2800" b="0" i="0" kern="1200" dirty="0" err="1">
                           <a:solidFill>
                             <a:schemeClr val="tx1"/>
                           </a:solidFill>
@@ -7682,7 +8221,7 @@
                         <a:t>onExit</a:t>
                       </a:r>
                       <a:r>
-                        <a:rPr lang="en-US" altLang="zh-CN" sz="2800" b="0" i="0" kern="1200" dirty="0" smtClean="0">
+                        <a:rPr lang="en-US" altLang="zh-CN" sz="2800" b="0" i="0" kern="1200" dirty="0">
                           <a:solidFill>
                             <a:schemeClr val="tx1"/>
                           </a:solidFill>
@@ -7712,7 +8251,7 @@
                     <a:lstStyle/>
                     <a:p>
                       <a:r>
-                        <a:rPr lang="en-US" altLang="zh-CN" sz="2800" dirty="0" smtClean="0">
+                        <a:rPr lang="en-US" altLang="zh-CN" sz="2800" dirty="0">
                           <a:solidFill>
                             <a:schemeClr val="tx1"/>
                           </a:solidFill>
@@ -7728,11 +8267,39 @@
                   </a:txBody>
                   <a:tcPr/>
                 </a:tc>
+                <a:extLst>
+                  <a:ext uri="{0D108BD9-81ED-4DB2-BD59-A6C34878D82A}">
+                    <a16:rowId xmlns:a16="http://schemas.microsoft.com/office/drawing/2014/main" val="10003"/>
+                  </a:ext>
+                </a:extLst>
               </a:tr>
             </a:tbl>
           </a:graphicData>
         </a:graphic>
       </p:graphicFrame>
+      <p:sp>
+        <p:nvSpPr>
+          <p:cNvPr id="3" name="Slide Number Placeholder 2"/>
+          <p:cNvSpPr>
+            <a:spLocks noGrp="1"/>
+          </p:cNvSpPr>
+          <p:nvPr>
+            <p:ph type="sldNum" sz="quarter" idx="12"/>
+          </p:nvPr>
+        </p:nvSpPr>
+        <p:spPr/>
+        <p:txBody>
+          <a:bodyPr/>
+          <a:lstStyle/>
+          <a:p>
+            <a:fld id="{A4D84770-76CE-4B8E-8297-3A1C1B876FD4}" type="slidenum">
+              <a:rPr lang="zh-CN" altLang="en-US" smtClean="0"/>
+              <a:t>22</a:t>
+            </a:fld>
+            <a:endParaRPr lang="zh-CN" altLang="en-US"/>
+          </a:p>
+        </p:txBody>
+      </p:sp>
     </p:spTree>
     <p:extLst>
       <p:ext uri="{BB962C8B-B14F-4D97-AF65-F5344CB8AC3E}">
@@ -7790,6 +8357,29 @@
           </a:p>
         </p:txBody>
       </p:sp>
+      <p:sp>
+        <p:nvSpPr>
+          <p:cNvPr id="3" name="Slide Number Placeholder 2"/>
+          <p:cNvSpPr>
+            <a:spLocks noGrp="1"/>
+          </p:cNvSpPr>
+          <p:nvPr>
+            <p:ph type="sldNum" sz="quarter" idx="12"/>
+          </p:nvPr>
+        </p:nvSpPr>
+        <p:spPr/>
+        <p:txBody>
+          <a:bodyPr/>
+          <a:lstStyle/>
+          <a:p>
+            <a:fld id="{A4D84770-76CE-4B8E-8297-3A1C1B876FD4}" type="slidenum">
+              <a:rPr lang="zh-CN" altLang="en-US" smtClean="0"/>
+              <a:t>3</a:t>
+            </a:fld>
+            <a:endParaRPr lang="zh-CN" altLang="en-US"/>
+          </a:p>
+        </p:txBody>
+      </p:sp>
     </p:spTree>
     <p:extLst>
       <p:ext uri="{BB962C8B-B14F-4D97-AF65-F5344CB8AC3E}">
@@ -7880,6 +8470,29 @@
           </a:p>
         </p:txBody>
       </p:sp>
+      <p:sp>
+        <p:nvSpPr>
+          <p:cNvPr id="4" name="Slide Number Placeholder 3"/>
+          <p:cNvSpPr>
+            <a:spLocks noGrp="1"/>
+          </p:cNvSpPr>
+          <p:nvPr>
+            <p:ph type="sldNum" sz="quarter" idx="12"/>
+          </p:nvPr>
+        </p:nvSpPr>
+        <p:spPr/>
+        <p:txBody>
+          <a:bodyPr/>
+          <a:lstStyle/>
+          <a:p>
+            <a:fld id="{A4D84770-76CE-4B8E-8297-3A1C1B876FD4}" type="slidenum">
+              <a:rPr lang="zh-CN" altLang="en-US" smtClean="0"/>
+              <a:t>4</a:t>
+            </a:fld>
+            <a:endParaRPr lang="zh-CN" altLang="en-US"/>
+          </a:p>
+        </p:txBody>
+      </p:sp>
     </p:spTree>
     <p:extLst>
       <p:ext uri="{BB962C8B-B14F-4D97-AF65-F5344CB8AC3E}">
@@ -7962,14 +8575,14 @@
                 <a:gridCol w="4176214">
                   <a:extLst>
                     <a:ext uri="{9D8B030D-6E8A-4147-A177-3AD203B41FA5}">
-                      <a16:colId xmlns:a16="http://schemas.microsoft.com/office/drawing/2014/main" xmlns="" val="20000"/>
+                      <a16:colId xmlns:a16="http://schemas.microsoft.com/office/drawing/2014/main" val="20000"/>
                     </a:ext>
                   </a:extLst>
                 </a:gridCol>
                 <a:gridCol w="4940490">
                   <a:extLst>
                     <a:ext uri="{9D8B030D-6E8A-4147-A177-3AD203B41FA5}">
-                      <a16:colId xmlns:a16="http://schemas.microsoft.com/office/drawing/2014/main" xmlns="" val="20001"/>
+                      <a16:colId xmlns:a16="http://schemas.microsoft.com/office/drawing/2014/main" val="20001"/>
                     </a:ext>
                   </a:extLst>
                 </a:gridCol>
@@ -8005,7 +8618,7 @@
                 </a:tc>
                 <a:extLst>
                   <a:ext uri="{0D108BD9-81ED-4DB2-BD59-A6C34878D82A}">
-                    <a16:rowId xmlns:a16="http://schemas.microsoft.com/office/drawing/2014/main" xmlns="" val="10000"/>
+                    <a16:rowId xmlns:a16="http://schemas.microsoft.com/office/drawing/2014/main" val="10000"/>
                   </a:ext>
                 </a:extLst>
               </a:tr>
@@ -8068,7 +8681,7 @@
                 </a:tc>
                 <a:extLst>
                   <a:ext uri="{0D108BD9-81ED-4DB2-BD59-A6C34878D82A}">
-                    <a16:rowId xmlns:a16="http://schemas.microsoft.com/office/drawing/2014/main" xmlns="" val="10001"/>
+                    <a16:rowId xmlns:a16="http://schemas.microsoft.com/office/drawing/2014/main" val="10001"/>
                   </a:ext>
                 </a:extLst>
               </a:tr>
@@ -8102,7 +8715,7 @@
                 </a:tc>
                 <a:extLst>
                   <a:ext uri="{0D108BD9-81ED-4DB2-BD59-A6C34878D82A}">
-                    <a16:rowId xmlns:a16="http://schemas.microsoft.com/office/drawing/2014/main" xmlns="" val="10002"/>
+                    <a16:rowId xmlns:a16="http://schemas.microsoft.com/office/drawing/2014/main" val="10002"/>
                   </a:ext>
                 </a:extLst>
               </a:tr>
@@ -8163,7 +8776,7 @@
                 </a:tc>
                 <a:extLst>
                   <a:ext uri="{0D108BD9-81ED-4DB2-BD59-A6C34878D82A}">
-                    <a16:rowId xmlns:a16="http://schemas.microsoft.com/office/drawing/2014/main" xmlns="" val="10003"/>
+                    <a16:rowId xmlns:a16="http://schemas.microsoft.com/office/drawing/2014/main" val="10003"/>
                   </a:ext>
                 </a:extLst>
               </a:tr>
@@ -8171,6 +8784,29 @@
           </a:graphicData>
         </a:graphic>
       </p:graphicFrame>
+      <p:sp>
+        <p:nvSpPr>
+          <p:cNvPr id="3" name="Slide Number Placeholder 2"/>
+          <p:cNvSpPr>
+            <a:spLocks noGrp="1"/>
+          </p:cNvSpPr>
+          <p:nvPr>
+            <p:ph type="sldNum" sz="quarter" idx="12"/>
+          </p:nvPr>
+        </p:nvSpPr>
+        <p:spPr/>
+        <p:txBody>
+          <a:bodyPr/>
+          <a:lstStyle/>
+          <a:p>
+            <a:fld id="{A4D84770-76CE-4B8E-8297-3A1C1B876FD4}" type="slidenum">
+              <a:rPr lang="zh-CN" altLang="en-US" smtClean="0"/>
+              <a:t>5</a:t>
+            </a:fld>
+            <a:endParaRPr lang="zh-CN" altLang="en-US"/>
+          </a:p>
+        </p:txBody>
+      </p:sp>
     </p:spTree>
     <p:extLst>
       <p:ext uri="{BB962C8B-B14F-4D97-AF65-F5344CB8AC3E}">
@@ -8292,6 +8928,29 @@
           </a:prstGeom>
         </p:spPr>
       </p:pic>
+      <p:sp>
+        <p:nvSpPr>
+          <p:cNvPr id="5" name="Slide Number Placeholder 4"/>
+          <p:cNvSpPr>
+            <a:spLocks noGrp="1"/>
+          </p:cNvSpPr>
+          <p:nvPr>
+            <p:ph type="sldNum" sz="quarter" idx="12"/>
+          </p:nvPr>
+        </p:nvSpPr>
+        <p:spPr/>
+        <p:txBody>
+          <a:bodyPr/>
+          <a:lstStyle/>
+          <a:p>
+            <a:fld id="{A4D84770-76CE-4B8E-8297-3A1C1B876FD4}" type="slidenum">
+              <a:rPr lang="zh-CN" altLang="en-US" smtClean="0"/>
+              <a:t>6</a:t>
+            </a:fld>
+            <a:endParaRPr lang="zh-CN" altLang="en-US"/>
+          </a:p>
+        </p:txBody>
+      </p:sp>
     </p:spTree>
     <p:extLst>
       <p:ext uri="{BB962C8B-B14F-4D97-AF65-F5344CB8AC3E}">
@@ -8410,6 +9069,29 @@
           </a:p>
         </p:txBody>
       </p:sp>
+      <p:sp>
+        <p:nvSpPr>
+          <p:cNvPr id="4" name="Slide Number Placeholder 3"/>
+          <p:cNvSpPr>
+            <a:spLocks noGrp="1"/>
+          </p:cNvSpPr>
+          <p:nvPr>
+            <p:ph type="sldNum" sz="quarter" idx="12"/>
+          </p:nvPr>
+        </p:nvSpPr>
+        <p:spPr/>
+        <p:txBody>
+          <a:bodyPr/>
+          <a:lstStyle/>
+          <a:p>
+            <a:fld id="{A4D84770-76CE-4B8E-8297-3A1C1B876FD4}" type="slidenum">
+              <a:rPr lang="zh-CN" altLang="en-US" smtClean="0"/>
+              <a:t>7</a:t>
+            </a:fld>
+            <a:endParaRPr lang="zh-CN" altLang="en-US"/>
+          </a:p>
+        </p:txBody>
+      </p:sp>
     </p:spTree>
     <p:extLst>
       <p:ext uri="{BB962C8B-B14F-4D97-AF65-F5344CB8AC3E}">
@@ -8472,10 +9154,6 @@
             <a:br>
               <a:rPr lang="en-US" altLang="en-US" dirty="0"/>
             </a:br>
-            <a:r>
-              <a:rPr lang="en-US" altLang="en-US" dirty="0"/>
-              <a:t/>
-            </a:r>
             <a:br>
               <a:rPr lang="en-US" altLang="en-US" dirty="0"/>
             </a:br>
@@ -8507,6 +9185,29 @@
           </a:prstGeom>
         </p:spPr>
       </p:pic>
+      <p:sp>
+        <p:nvSpPr>
+          <p:cNvPr id="2" name="Slide Number Placeholder 1"/>
+          <p:cNvSpPr>
+            <a:spLocks noGrp="1"/>
+          </p:cNvSpPr>
+          <p:nvPr>
+            <p:ph type="sldNum" sz="quarter" idx="12"/>
+          </p:nvPr>
+        </p:nvSpPr>
+        <p:spPr/>
+        <p:txBody>
+          <a:bodyPr/>
+          <a:lstStyle/>
+          <a:p>
+            <a:fld id="{A4D84770-76CE-4B8E-8297-3A1C1B876FD4}" type="slidenum">
+              <a:rPr lang="zh-CN" altLang="en-US" smtClean="0"/>
+              <a:t>8</a:t>
+            </a:fld>
+            <a:endParaRPr lang="zh-CN" altLang="en-US"/>
+          </a:p>
+        </p:txBody>
+      </p:sp>
     </p:spTree>
     <p:extLst>
       <p:ext uri="{BB962C8B-B14F-4D97-AF65-F5344CB8AC3E}">
@@ -8706,18 +9407,6 @@
               <a:buNone/>
               <a:tabLst/>
             </a:pPr>
-            <a:r>
-              <a:rPr kumimoji="0" lang="en-US" altLang="en-US" sz="800" b="0" i="0" u="none" strike="noStrike" cap="none" normalizeH="0" baseline="0">
-                <a:ln>
-                  <a:noFill/>
-                </a:ln>
-                <a:solidFill>
-                  <a:schemeClr val="tx1"/>
-                </a:solidFill>
-                <a:effectLst/>
-              </a:rPr>
-              <a:t/>
-            </a:r>
             <a:br>
               <a:rPr kumimoji="0" lang="en-US" altLang="en-US" sz="800" b="0" i="0" u="none" strike="noStrike" cap="none" normalizeH="0" baseline="0">
                 <a:ln>
@@ -8766,6 +9455,29 @@
           </a:prstGeom>
         </p:spPr>
       </p:pic>
+      <p:sp>
+        <p:nvSpPr>
+          <p:cNvPr id="3" name="Slide Number Placeholder 2"/>
+          <p:cNvSpPr>
+            <a:spLocks noGrp="1"/>
+          </p:cNvSpPr>
+          <p:nvPr>
+            <p:ph type="sldNum" sz="quarter" idx="12"/>
+          </p:nvPr>
+        </p:nvSpPr>
+        <p:spPr/>
+        <p:txBody>
+          <a:bodyPr/>
+          <a:lstStyle/>
+          <a:p>
+            <a:fld id="{A4D84770-76CE-4B8E-8297-3A1C1B876FD4}" type="slidenum">
+              <a:rPr lang="zh-CN" altLang="en-US" smtClean="0"/>
+              <a:t>9</a:t>
+            </a:fld>
+            <a:endParaRPr lang="zh-CN" altLang="en-US"/>
+          </a:p>
+        </p:txBody>
+      </p:sp>
     </p:spTree>
     <p:extLst>
       <p:ext uri="{BB962C8B-B14F-4D97-AF65-F5344CB8AC3E}">
@@ -8870,7 +9582,7 @@
         <a:sysClr val="windowText" lastClr="000000"/>
       </a:dk1>
       <a:lt1>
-        <a:sysClr val="window" lastClr="C7EDCC"/>
+        <a:sysClr val="window" lastClr="FFFFFF"/>
       </a:lt1>
       <a:dk2>
         <a:srgbClr val="44546A"/>
@@ -9131,7 +9843,7 @@
         <a:sysClr val="windowText" lastClr="000000"/>
       </a:dk1>
       <a:lt1>
-        <a:sysClr val="window" lastClr="C7EDCC"/>
+        <a:sysClr val="window" lastClr="FFFFFF"/>
       </a:lt1>
       <a:dk2>
         <a:srgbClr val="44546A"/>
